--- a/presentation/Qu’est ce que SYMFONY.pptx
+++ b/presentation/Qu’est ce que SYMFONY.pptx
@@ -11,9 +11,9 @@
     <p:sldId id="259" r:id="rId5"/>
     <p:sldId id="260" r:id="rId6"/>
     <p:sldId id="261" r:id="rId7"/>
-    <p:sldId id="263" r:id="rId8"/>
-    <p:sldId id="264" r:id="rId9"/>
-    <p:sldId id="266" r:id="rId10"/>
+    <p:sldId id="266" r:id="rId8"/>
+    <p:sldId id="263" r:id="rId9"/>
+    <p:sldId id="264" r:id="rId10"/>
     <p:sldId id="265" r:id="rId11"/>
     <p:sldId id="267" r:id="rId12"/>
   </p:sldIdLst>
@@ -251,7 +251,7 @@
           <a:p>
             <a:fld id="{0B43FC64-DDA6-4501-80AF-E9CD3D16773C}" type="datetimeFigureOut">
               <a:rPr lang="fr-FR" smtClean="0"/>
-              <a:t>18/10/2022</a:t>
+              <a:t>22/10/2022</a:t>
             </a:fld>
             <a:endParaRPr lang="fr-FR"/>
           </a:p>
@@ -419,7 +419,7 @@
           <a:p>
             <a:fld id="{0B43FC64-DDA6-4501-80AF-E9CD3D16773C}" type="datetimeFigureOut">
               <a:rPr lang="fr-FR" smtClean="0"/>
-              <a:t>18/10/2022</a:t>
+              <a:t>22/10/2022</a:t>
             </a:fld>
             <a:endParaRPr lang="fr-FR"/>
           </a:p>
@@ -597,7 +597,7 @@
           <a:p>
             <a:fld id="{0B43FC64-DDA6-4501-80AF-E9CD3D16773C}" type="datetimeFigureOut">
               <a:rPr lang="fr-FR" smtClean="0"/>
-              <a:t>18/10/2022</a:t>
+              <a:t>22/10/2022</a:t>
             </a:fld>
             <a:endParaRPr lang="fr-FR"/>
           </a:p>
@@ -765,7 +765,7 @@
           <a:p>
             <a:fld id="{0B43FC64-DDA6-4501-80AF-E9CD3D16773C}" type="datetimeFigureOut">
               <a:rPr lang="fr-FR" smtClean="0"/>
-              <a:t>18/10/2022</a:t>
+              <a:t>22/10/2022</a:t>
             </a:fld>
             <a:endParaRPr lang="fr-FR"/>
           </a:p>
@@ -1010,7 +1010,7 @@
           <a:p>
             <a:fld id="{0B43FC64-DDA6-4501-80AF-E9CD3D16773C}" type="datetimeFigureOut">
               <a:rPr lang="fr-FR" smtClean="0"/>
-              <a:t>18/10/2022</a:t>
+              <a:t>22/10/2022</a:t>
             </a:fld>
             <a:endParaRPr lang="fr-FR"/>
           </a:p>
@@ -1239,7 +1239,7 @@
           <a:p>
             <a:fld id="{0B43FC64-DDA6-4501-80AF-E9CD3D16773C}" type="datetimeFigureOut">
               <a:rPr lang="fr-FR" smtClean="0"/>
-              <a:t>18/10/2022</a:t>
+              <a:t>22/10/2022</a:t>
             </a:fld>
             <a:endParaRPr lang="fr-FR"/>
           </a:p>
@@ -1603,7 +1603,7 @@
           <a:p>
             <a:fld id="{0B43FC64-DDA6-4501-80AF-E9CD3D16773C}" type="datetimeFigureOut">
               <a:rPr lang="fr-FR" smtClean="0"/>
-              <a:t>18/10/2022</a:t>
+              <a:t>22/10/2022</a:t>
             </a:fld>
             <a:endParaRPr lang="fr-FR"/>
           </a:p>
@@ -1720,7 +1720,7 @@
           <a:p>
             <a:fld id="{0B43FC64-DDA6-4501-80AF-E9CD3D16773C}" type="datetimeFigureOut">
               <a:rPr lang="fr-FR" smtClean="0"/>
-              <a:t>18/10/2022</a:t>
+              <a:t>22/10/2022</a:t>
             </a:fld>
             <a:endParaRPr lang="fr-FR"/>
           </a:p>
@@ -1815,7 +1815,7 @@
           <a:p>
             <a:fld id="{0B43FC64-DDA6-4501-80AF-E9CD3D16773C}" type="datetimeFigureOut">
               <a:rPr lang="fr-FR" smtClean="0"/>
-              <a:t>18/10/2022</a:t>
+              <a:t>22/10/2022</a:t>
             </a:fld>
             <a:endParaRPr lang="fr-FR"/>
           </a:p>
@@ -2090,7 +2090,7 @@
           <a:p>
             <a:fld id="{0B43FC64-DDA6-4501-80AF-E9CD3D16773C}" type="datetimeFigureOut">
               <a:rPr lang="fr-FR" smtClean="0"/>
-              <a:t>18/10/2022</a:t>
+              <a:t>22/10/2022</a:t>
             </a:fld>
             <a:endParaRPr lang="fr-FR"/>
           </a:p>
@@ -2342,7 +2342,7 @@
           <a:p>
             <a:fld id="{0B43FC64-DDA6-4501-80AF-E9CD3D16773C}" type="datetimeFigureOut">
               <a:rPr lang="fr-FR" smtClean="0"/>
-              <a:t>18/10/2022</a:t>
+              <a:t>22/10/2022</a:t>
             </a:fld>
             <a:endParaRPr lang="fr-FR"/>
           </a:p>
@@ -2553,7 +2553,7 @@
           <a:p>
             <a:fld id="{0B43FC64-DDA6-4501-80AF-E9CD3D16773C}" type="datetimeFigureOut">
               <a:rPr lang="fr-FR" smtClean="0"/>
-              <a:t>18/10/2022</a:t>
+              <a:t>22/10/2022</a:t>
             </a:fld>
             <a:endParaRPr lang="fr-FR"/>
           </a:p>
@@ -4001,7 +4001,7 @@
           <p:cNvPr id="2" name="Titre 1">
             <a:extLst>
               <a:ext uri="{FF2B5EF4-FFF2-40B4-BE49-F238E27FC236}">
-                <a16:creationId xmlns:a16="http://schemas.microsoft.com/office/drawing/2014/main" id="{B06A311C-AA67-02C2-00D9-CD51C81EA223}"/>
+                <a16:creationId xmlns:a16="http://schemas.microsoft.com/office/drawing/2014/main" id="{B4784F8E-7B5D-060B-1F9E-CC46FA26C3BF}"/>
               </a:ext>
             </a:extLst>
           </p:cNvPr>
@@ -4020,7 +4020,7 @@
             <a:pPr algn="ctr"/>
             <a:r>
               <a:rPr lang="fr-FR" dirty="0"/>
-              <a:t>Installation de composer</a:t>
+              <a:t>Installations</a:t>
             </a:r>
           </a:p>
         </p:txBody>
@@ -4030,7 +4030,7 @@
           <p:cNvPr id="3" name="Espace réservé du contenu 2">
             <a:extLst>
               <a:ext uri="{FF2B5EF4-FFF2-40B4-BE49-F238E27FC236}">
-                <a16:creationId xmlns:a16="http://schemas.microsoft.com/office/drawing/2014/main" id="{577CCD87-B99F-9418-0DCB-9BE0826581FE}"/>
+                <a16:creationId xmlns:a16="http://schemas.microsoft.com/office/drawing/2014/main" id="{F33D6C7D-1C6F-69FF-7BFA-B78CD36B3EFF}"/>
               </a:ext>
             </a:extLst>
           </p:cNvPr>
@@ -4043,8 +4043,8 @@
         </p:nvSpPr>
         <p:spPr>
           <a:xfrm>
-            <a:off x="838200" y="1611517"/>
-            <a:ext cx="10515600" cy="4345663"/>
+            <a:off x="738611" y="2350726"/>
+            <a:ext cx="10515600" cy="2447611"/>
           </a:xfrm>
         </p:spPr>
         <p:txBody>
@@ -4052,82 +4052,28 @@
           <a:lstStyle/>
           <a:p>
             <a:r>
-              <a:rPr lang="fr-FR" b="1" dirty="0"/>
-              <a:t>Composer  </a:t>
-            </a:r>
-            <a:r>
-              <a:rPr lang="fr-FR" dirty="0"/>
-              <a:t>est</a:t>
-            </a:r>
-            <a:r>
-              <a:rPr lang="fr-FR" b="1" dirty="0"/>
-              <a:t> </a:t>
-            </a:r>
-            <a:r>
-              <a:rPr lang="fr-FR" dirty="0"/>
-              <a:t>un</a:t>
-            </a:r>
-            <a:r>
-              <a:rPr lang="fr-FR" b="1" dirty="0"/>
-              <a:t> </a:t>
-            </a:r>
-            <a:r>
-              <a:rPr lang="fr-FR" dirty="0"/>
-              <a:t>gestionnaire de dépendances  ?</a:t>
-            </a:r>
-          </a:p>
-          <a:p>
-            <a:r>
-              <a:rPr lang="fr-FR" dirty="0"/>
-              <a:t>Allez</a:t>
-            </a:r>
-            <a:r>
-              <a:rPr lang="fr-FR" b="1" dirty="0"/>
-              <a:t> </a:t>
-            </a:r>
-            <a:r>
-              <a:rPr lang="fr-FR" dirty="0"/>
-              <a:t>sur:</a:t>
-            </a:r>
-            <a:r>
-              <a:rPr lang="fr-FR" b="1" dirty="0"/>
-              <a:t> </a:t>
-            </a:r>
-            <a:r>
-              <a:rPr lang="fr-FR" dirty="0"/>
-              <a:t>https://getcomposer.org/ et suivez les étapes correspondant à votre système d'exploitation. Pour vérifier si l'installation est fonctionnelle, aller dans un terminal et saisir la commande ci-dessous.</a:t>
-            </a:r>
-          </a:p>
-          <a:p>
-            <a:r>
-              <a:rPr lang="fr-FR" dirty="0"/>
-              <a:t>composer –version</a:t>
-            </a:r>
-          </a:p>
-          <a:p>
-            <a:r>
-              <a:rPr lang="fr-FR" dirty="0"/>
-              <a:t>En cas de succès la commande affichera le numéro de version de composer comme ci-dessous:</a:t>
-            </a:r>
-          </a:p>
-          <a:p>
-            <a:pPr marL="0" indent="0">
-              <a:buNone/>
-            </a:pPr>
-            <a:r>
-              <a:rPr lang="fr-FR" dirty="0"/>
-              <a:t>          Composer version 2.2.1 2021-12-22 22:21:31</a:t>
-            </a:r>
-          </a:p>
-          <a:p>
-            <a:endParaRPr lang="fr-FR" dirty="0"/>
+              <a:rPr lang="fr-FR" dirty="0"/>
+              <a:t>COMPOSER</a:t>
+            </a:r>
+          </a:p>
+          <a:p>
+            <a:r>
+              <a:rPr lang="fr-FR" dirty="0"/>
+              <a:t>SCOOP</a:t>
+            </a:r>
+          </a:p>
+          <a:p>
+            <a:r>
+              <a:rPr lang="fr-FR" dirty="0"/>
+              <a:t>SYMFONY CLI</a:t>
+            </a:r>
           </a:p>
         </p:txBody>
       </p:sp>
     </p:spTree>
     <p:extLst>
       <p:ext uri="{BB962C8B-B14F-4D97-AF65-F5344CB8AC3E}">
-        <p14:creationId xmlns:p14="http://schemas.microsoft.com/office/powerpoint/2010/main" val="3203820019"/>
+        <p14:creationId xmlns:p14="http://schemas.microsoft.com/office/powerpoint/2010/main" val="2266736173"/>
       </p:ext>
     </p:extLst>
   </p:cSld>
@@ -4159,7 +4105,7 @@
           <p:cNvPr id="2" name="Titre 1">
             <a:extLst>
               <a:ext uri="{FF2B5EF4-FFF2-40B4-BE49-F238E27FC236}">
-                <a16:creationId xmlns:a16="http://schemas.microsoft.com/office/drawing/2014/main" id="{D46E9A8C-B7F2-A966-3BB8-639C77E5E7EF}"/>
+                <a16:creationId xmlns:a16="http://schemas.microsoft.com/office/drawing/2014/main" id="{B06A311C-AA67-02C2-00D9-CD51C81EA223}"/>
               </a:ext>
             </a:extLst>
           </p:cNvPr>
@@ -4170,12 +4116,7 @@
             <p:ph type="title"/>
           </p:nvPr>
         </p:nvSpPr>
-        <p:spPr>
-          <a:xfrm>
-            <a:off x="838200" y="668591"/>
-            <a:ext cx="10515600" cy="1196424"/>
-          </a:xfrm>
-        </p:spPr>
+        <p:spPr/>
         <p:txBody>
           <a:bodyPr/>
           <a:lstStyle/>
@@ -4183,17 +4124,17 @@
             <a:pPr algn="ctr"/>
             <a:r>
               <a:rPr lang="fr-FR" dirty="0"/>
-              <a:t>Installation de scoop</a:t>
-            </a:r>
-          </a:p>
-        </p:txBody>
-      </p:sp>
-      <p:sp>
-        <p:nvSpPr>
-          <p:cNvPr id="3" name="Espace réservé du texte 2">
+              <a:t>Installation de composer</a:t>
+            </a:r>
+          </a:p>
+        </p:txBody>
+      </p:sp>
+      <p:sp>
+        <p:nvSpPr>
+          <p:cNvPr id="3" name="Espace réservé du contenu 2">
             <a:extLst>
               <a:ext uri="{FF2B5EF4-FFF2-40B4-BE49-F238E27FC236}">
-                <a16:creationId xmlns:a16="http://schemas.microsoft.com/office/drawing/2014/main" id="{FCF0833A-F03D-5F19-4506-8B836D97C322}"/>
+                <a16:creationId xmlns:a16="http://schemas.microsoft.com/office/drawing/2014/main" id="{577CCD87-B99F-9418-0DCB-9BE0826581FE}"/>
               </a:ext>
             </a:extLst>
           </p:cNvPr>
@@ -4201,13 +4142,13 @@
             <a:spLocks noGrp="1"/>
           </p:cNvSpPr>
           <p:nvPr>
-            <p:ph type="body" idx="1"/>
+            <p:ph idx="1"/>
           </p:nvPr>
         </p:nvSpPr>
         <p:spPr>
           <a:xfrm>
-            <a:off x="831850" y="2788467"/>
-            <a:ext cx="10515600" cy="3301183"/>
+            <a:off x="838200" y="1611517"/>
+            <a:ext cx="10515600" cy="4345663"/>
           </a:xfrm>
         </p:spPr>
         <p:txBody>
@@ -4215,95 +4156,82 @@
           <a:lstStyle/>
           <a:p>
             <a:r>
-              <a:rPr lang="fr-FR" dirty="0"/>
-              <a:t>Un CLI pour Windows (</a:t>
-            </a:r>
-            <a:r>
               <a:rPr lang="fr-FR" b="1" dirty="0"/>
-              <a:t>command-line installer)</a:t>
+              <a:t>Composer  </a:t>
+            </a:r>
+            <a:r>
+              <a:rPr lang="fr-FR" dirty="0"/>
+              <a:t>est</a:t>
+            </a:r>
+            <a:r>
+              <a:rPr lang="fr-FR" b="1" dirty="0"/>
+              <a:t> </a:t>
+            </a:r>
+            <a:r>
+              <a:rPr lang="fr-FR" dirty="0"/>
+              <a:t>un</a:t>
+            </a:r>
+            <a:r>
+              <a:rPr lang="fr-FR" b="1" dirty="0"/>
+              <a:t> </a:t>
+            </a:r>
+            <a:r>
+              <a:rPr lang="fr-FR" dirty="0"/>
+              <a:t>gestionnaire de dépendances  .</a:t>
+            </a:r>
+          </a:p>
+          <a:p>
+            <a:r>
+              <a:rPr lang="fr-FR" dirty="0"/>
+              <a:t>Allez</a:t>
+            </a:r>
+            <a:r>
+              <a:rPr lang="fr-FR" b="1" dirty="0"/>
+              <a:t> </a:t>
+            </a:r>
+            <a:r>
+              <a:rPr lang="fr-FR" dirty="0"/>
+              <a:t>sur:</a:t>
+            </a:r>
+            <a:r>
+              <a:rPr lang="fr-FR" b="1" dirty="0"/>
+              <a:t> </a:t>
+            </a:r>
+            <a:r>
+              <a:rPr lang="fr-FR" dirty="0"/>
+              <a:t>https://getcomposer.org/ et suivez les étapes correspondant à votre système d'exploitation. Pour vérifier si l'installation est fonctionnelle, aller dans un terminal et saisir la commande ci-dessous.</a:t>
+            </a:r>
+          </a:p>
+          <a:p>
+            <a:r>
+              <a:rPr lang="fr-FR" dirty="0"/>
+              <a:t>composer –version</a:t>
+            </a:r>
+          </a:p>
+          <a:p>
+            <a:r>
+              <a:rPr lang="fr-FR" dirty="0"/>
+              <a:t>En cas de succès la commande affichera le numéro de version de composer comme ci-dessous:</a:t>
+            </a:r>
+          </a:p>
+          <a:p>
+            <a:pPr marL="0" indent="0">
+              <a:buNone/>
+            </a:pPr>
+            <a:r>
+              <a:rPr lang="fr-FR" dirty="0"/>
+              <a:t>          Composer version 2.2.1 2021-12-22 22:21:31</a:t>
             </a:r>
           </a:p>
           <a:p>
             <a:endParaRPr lang="fr-FR" dirty="0"/>
-          </a:p>
-          <a:p>
-            <a:r>
-              <a:rPr lang="fr-FR" dirty="0"/>
-              <a:t>Installer celui-ci en ligne de commande a l aide du POWERSHELL terminal de </a:t>
-            </a:r>
-            <a:r>
-              <a:rPr lang="fr-FR" dirty="0" err="1"/>
-              <a:t>windows</a:t>
-            </a:r>
-            <a:r>
-              <a:rPr lang="fr-FR" dirty="0"/>
-              <a:t> 5.1 ou </a:t>
-            </a:r>
-            <a:r>
-              <a:rPr lang="fr-FR" dirty="0" err="1"/>
-              <a:t>superieur</a:t>
-            </a:r>
-            <a:r>
-              <a:rPr lang="fr-FR" dirty="0"/>
-              <a:t>  a l aide de ces deux commandes :</a:t>
-            </a:r>
-          </a:p>
-          <a:p>
-            <a:r>
-              <a:rPr lang="fr-FR" dirty="0"/>
-              <a:t>1:  Set-</a:t>
-            </a:r>
-            <a:r>
-              <a:rPr lang="fr-FR" dirty="0" err="1"/>
-              <a:t>ExecutionPolicy</a:t>
-            </a:r>
-            <a:r>
-              <a:rPr lang="fr-FR" dirty="0"/>
-              <a:t> </a:t>
-            </a:r>
-            <a:r>
-              <a:rPr lang="fr-FR" dirty="0" err="1"/>
-              <a:t>RemoteSigned</a:t>
-            </a:r>
-            <a:r>
-              <a:rPr lang="fr-FR" dirty="0"/>
-              <a:t> -Scope </a:t>
-            </a:r>
-            <a:r>
-              <a:rPr lang="fr-FR" dirty="0" err="1"/>
-              <a:t>CurrentUser</a:t>
-            </a:r>
-            <a:r>
-              <a:rPr lang="fr-FR" dirty="0"/>
-              <a:t> (a la première utilisation)</a:t>
-            </a:r>
-          </a:p>
-          <a:p>
-            <a:r>
-              <a:rPr lang="fr-FR" dirty="0"/>
-              <a:t>2: </a:t>
-            </a:r>
-            <a:r>
-              <a:rPr lang="fr-FR" dirty="0" err="1"/>
-              <a:t>irm</a:t>
-            </a:r>
-            <a:r>
-              <a:rPr lang="fr-FR" dirty="0"/>
-              <a:t> get.scoop.sh</a:t>
-            </a:r>
-          </a:p>
-          <a:p>
-            <a:r>
-              <a:rPr lang="fr-FR" dirty="0"/>
-              <a:t>Voila Scoop est installé sur votre machine</a:t>
-            </a:r>
           </a:p>
         </p:txBody>
       </p:sp>
     </p:spTree>
     <p:extLst>
       <p:ext uri="{BB962C8B-B14F-4D97-AF65-F5344CB8AC3E}">
-        <p14:creationId xmlns:p14="http://schemas.microsoft.com/office/powerpoint/2010/main" val="284215341"/>
+        <p14:creationId xmlns:p14="http://schemas.microsoft.com/office/powerpoint/2010/main" val="3203820019"/>
       </p:ext>
     </p:extLst>
   </p:cSld>
@@ -4335,7 +4263,7 @@
           <p:cNvPr id="2" name="Titre 1">
             <a:extLst>
               <a:ext uri="{FF2B5EF4-FFF2-40B4-BE49-F238E27FC236}">
-                <a16:creationId xmlns:a16="http://schemas.microsoft.com/office/drawing/2014/main" id="{B4784F8E-7B5D-060B-1F9E-CC46FA26C3BF}"/>
+                <a16:creationId xmlns:a16="http://schemas.microsoft.com/office/drawing/2014/main" id="{D46E9A8C-B7F2-A966-3BB8-639C77E5E7EF}"/>
               </a:ext>
             </a:extLst>
           </p:cNvPr>
@@ -4346,7 +4274,12 @@
             <p:ph type="title"/>
           </p:nvPr>
         </p:nvSpPr>
-        <p:spPr/>
+        <p:spPr>
+          <a:xfrm>
+            <a:off x="838200" y="668591"/>
+            <a:ext cx="10515600" cy="1196424"/>
+          </a:xfrm>
+        </p:spPr>
         <p:txBody>
           <a:bodyPr/>
           <a:lstStyle/>
@@ -4354,17 +4287,17 @@
             <a:pPr algn="ctr"/>
             <a:r>
               <a:rPr lang="fr-FR" dirty="0"/>
-              <a:t>Installations</a:t>
-            </a:r>
-          </a:p>
-        </p:txBody>
-      </p:sp>
-      <p:sp>
-        <p:nvSpPr>
-          <p:cNvPr id="3" name="Espace réservé du contenu 2">
+              <a:t>Installation de scoop</a:t>
+            </a:r>
+          </a:p>
+        </p:txBody>
+      </p:sp>
+      <p:sp>
+        <p:nvSpPr>
+          <p:cNvPr id="3" name="Espace réservé du texte 2">
             <a:extLst>
               <a:ext uri="{FF2B5EF4-FFF2-40B4-BE49-F238E27FC236}">
-                <a16:creationId xmlns:a16="http://schemas.microsoft.com/office/drawing/2014/main" id="{F33D6C7D-1C6F-69FF-7BFA-B78CD36B3EFF}"/>
+                <a16:creationId xmlns:a16="http://schemas.microsoft.com/office/drawing/2014/main" id="{FCF0833A-F03D-5F19-4506-8B836D97C322}"/>
               </a:ext>
             </a:extLst>
           </p:cNvPr>
@@ -4372,13 +4305,13 @@
             <a:spLocks noGrp="1"/>
           </p:cNvSpPr>
           <p:nvPr>
-            <p:ph idx="1"/>
+            <p:ph type="body" idx="1"/>
           </p:nvPr>
         </p:nvSpPr>
         <p:spPr>
           <a:xfrm>
-            <a:off x="738611" y="2350726"/>
-            <a:ext cx="10515600" cy="2447611"/>
+            <a:off x="831850" y="2788467"/>
+            <a:ext cx="10515600" cy="3301183"/>
           </a:xfrm>
         </p:spPr>
         <p:txBody>
@@ -4387,19 +4320,94 @@
           <a:p>
             <a:r>
               <a:rPr lang="fr-FR" dirty="0"/>
-              <a:t>COMPOSER</a:t>
-            </a:r>
-          </a:p>
-          <a:p>
-            <a:r>
-              <a:rPr lang="fr-FR" dirty="0"/>
-              <a:t>SCOOP</a:t>
-            </a:r>
-          </a:p>
-          <a:p>
-            <a:r>
-              <a:rPr lang="fr-FR" dirty="0"/>
-              <a:t>SYMFONY CLI</a:t>
+              <a:t>Scoop </a:t>
+            </a:r>
+            <a:r>
+              <a:rPr lang="fr-FR" dirty="0" err="1"/>
+              <a:t>estUn</a:t>
+            </a:r>
+            <a:r>
+              <a:rPr lang="fr-FR" dirty="0"/>
+              <a:t> CLI pour Windows (</a:t>
+            </a:r>
+            <a:r>
+              <a:rPr lang="fr-FR" b="1" dirty="0"/>
+              <a:t>command-line installer)</a:t>
+            </a:r>
+          </a:p>
+          <a:p>
+            <a:endParaRPr lang="fr-FR" dirty="0"/>
+          </a:p>
+          <a:p>
+            <a:r>
+              <a:rPr lang="fr-FR" dirty="0"/>
+              <a:t>Installer celui-ci en ligne de commande a l aide du POWERSHELL terminal de </a:t>
+            </a:r>
+            <a:r>
+              <a:rPr lang="fr-FR" dirty="0" err="1"/>
+              <a:t>windows</a:t>
+            </a:r>
+            <a:r>
+              <a:rPr lang="fr-FR" dirty="0"/>
+              <a:t> 5.1 ou </a:t>
+            </a:r>
+            <a:r>
+              <a:rPr lang="fr-FR" dirty="0" err="1"/>
+              <a:t>superieur</a:t>
+            </a:r>
+            <a:r>
+              <a:rPr lang="fr-FR" dirty="0"/>
+              <a:t>  a l aide de ces deux commandes :</a:t>
+            </a:r>
+          </a:p>
+          <a:p>
+            <a:r>
+              <a:rPr lang="fr-FR" dirty="0"/>
+              <a:t>1:  Set-</a:t>
+            </a:r>
+            <a:r>
+              <a:rPr lang="fr-FR" dirty="0" err="1"/>
+              <a:t>ExecutionPolicy</a:t>
+            </a:r>
+            <a:r>
+              <a:rPr lang="fr-FR" dirty="0"/>
+              <a:t> </a:t>
+            </a:r>
+            <a:r>
+              <a:rPr lang="fr-FR" dirty="0" err="1"/>
+              <a:t>RemoteSigned</a:t>
+            </a:r>
+            <a:r>
+              <a:rPr lang="fr-FR" dirty="0"/>
+              <a:t> -Scope </a:t>
+            </a:r>
+            <a:r>
+              <a:rPr lang="fr-FR" dirty="0" err="1"/>
+              <a:t>CurrentUser</a:t>
+            </a:r>
+            <a:r>
+              <a:rPr lang="fr-FR" dirty="0"/>
+              <a:t> (a la première utilisation)</a:t>
+            </a:r>
+          </a:p>
+          <a:p>
+            <a:r>
+              <a:rPr lang="fr-FR" dirty="0"/>
+              <a:t>2: </a:t>
+            </a:r>
+            <a:r>
+              <a:rPr lang="fr-FR" dirty="0" err="1"/>
+              <a:t>irm</a:t>
+            </a:r>
+            <a:r>
+              <a:rPr lang="fr-FR" dirty="0"/>
+              <a:t> get.scoop.sh</a:t>
+            </a:r>
+          </a:p>
+          <a:p>
+            <a:r>
+              <a:rPr lang="fr-FR" dirty="0"/>
+              <a:t>Voila Scoop est installé sur votre machine</a:t>
             </a:r>
           </a:p>
         </p:txBody>
@@ -4407,7 +4415,7 @@
     </p:spTree>
     <p:extLst>
       <p:ext uri="{BB962C8B-B14F-4D97-AF65-F5344CB8AC3E}">
-        <p14:creationId xmlns:p14="http://schemas.microsoft.com/office/powerpoint/2010/main" val="2266736173"/>
+        <p14:creationId xmlns:p14="http://schemas.microsoft.com/office/powerpoint/2010/main" val="284215341"/>
       </p:ext>
     </p:extLst>
   </p:cSld>

--- a/presentation/Qu’est ce que SYMFONY.pptx
+++ b/presentation/Qu’est ce que SYMFONY.pptx
@@ -16,6 +16,7 @@
     <p:sldId id="264" r:id="rId10"/>
     <p:sldId id="265" r:id="rId11"/>
     <p:sldId id="267" r:id="rId12"/>
+    <p:sldId id="268" r:id="rId13"/>
   </p:sldIdLst>
   <p:sldSz cx="12192000" cy="6858000"/>
   <p:notesSz cx="6858000" cy="9144000"/>
@@ -3208,15 +3209,10 @@
             <p:ph type="title"/>
           </p:nvPr>
         </p:nvSpPr>
-        <p:spPr>
-          <a:xfrm>
-            <a:off x="838200" y="365125"/>
-            <a:ext cx="10515600" cy="1020055"/>
-          </a:xfrm>
-        </p:spPr>
+        <p:spPr/>
         <p:txBody>
           <a:bodyPr>
-            <a:normAutofit fontScale="90000"/>
+            <a:normAutofit/>
           </a:bodyPr>
           <a:lstStyle/>
           <a:p>
@@ -3248,12 +3244,7 @@
             <p:ph idx="1"/>
           </p:nvPr>
         </p:nvSpPr>
-        <p:spPr>
-          <a:xfrm>
-            <a:off x="838200" y="1253330"/>
-            <a:ext cx="10515600" cy="4633119"/>
-          </a:xfrm>
-        </p:spPr>
+        <p:spPr/>
         <p:txBody>
           <a:bodyPr/>
           <a:lstStyle/>
@@ -3374,6 +3365,186 @@
     <p:extLst>
       <p:ext uri="{BB962C8B-B14F-4D97-AF65-F5344CB8AC3E}">
         <p14:creationId xmlns:p14="http://schemas.microsoft.com/office/powerpoint/2010/main" val="1859368978"/>
+      </p:ext>
+    </p:extLst>
+  </p:cSld>
+  <p:clrMapOvr>
+    <a:masterClrMapping/>
+  </p:clrMapOvr>
+</p:sld>
+</file>
+
+<file path=ppt/slides/slide12.xml><?xml version="1.0" encoding="utf-8"?>
+<p:sld xmlns:a="http://schemas.openxmlformats.org/drawingml/2006/main" xmlns:r="http://schemas.openxmlformats.org/officeDocument/2006/relationships" xmlns:p="http://schemas.openxmlformats.org/presentationml/2006/main">
+  <p:cSld>
+    <p:spTree>
+      <p:nvGrpSpPr>
+        <p:cNvPr id="1" name=""/>
+        <p:cNvGrpSpPr/>
+        <p:nvPr/>
+      </p:nvGrpSpPr>
+      <p:grpSpPr>
+        <a:xfrm>
+          <a:off x="0" y="0"/>
+          <a:ext cx="0" cy="0"/>
+          <a:chOff x="0" y="0"/>
+          <a:chExt cx="0" cy="0"/>
+        </a:xfrm>
+      </p:grpSpPr>
+      <p:sp>
+        <p:nvSpPr>
+          <p:cNvPr id="2" name="Titre 1">
+            <a:extLst>
+              <a:ext uri="{FF2B5EF4-FFF2-40B4-BE49-F238E27FC236}">
+                <a16:creationId xmlns:a16="http://schemas.microsoft.com/office/drawing/2014/main" id="{92390CD4-D357-313B-E636-9613F4ED94E0}"/>
+              </a:ext>
+            </a:extLst>
+          </p:cNvPr>
+          <p:cNvSpPr>
+            <a:spLocks noGrp="1"/>
+          </p:cNvSpPr>
+          <p:nvPr>
+            <p:ph type="title"/>
+          </p:nvPr>
+        </p:nvSpPr>
+        <p:spPr/>
+        <p:txBody>
+          <a:bodyPr/>
+          <a:lstStyle/>
+          <a:p>
+            <a:pPr algn="ctr"/>
+            <a:r>
+              <a:rPr lang="fr-FR" dirty="0"/>
+              <a:t>contenu du projet</a:t>
+            </a:r>
+          </a:p>
+        </p:txBody>
+      </p:sp>
+      <p:sp>
+        <p:nvSpPr>
+          <p:cNvPr id="3" name="Espace réservé du contenu 2">
+            <a:extLst>
+              <a:ext uri="{FF2B5EF4-FFF2-40B4-BE49-F238E27FC236}">
+                <a16:creationId xmlns:a16="http://schemas.microsoft.com/office/drawing/2014/main" id="{548D4C09-6539-A63F-E4CE-A7E9FCBA20AC}"/>
+              </a:ext>
+            </a:extLst>
+          </p:cNvPr>
+          <p:cNvSpPr>
+            <a:spLocks noGrp="1"/>
+          </p:cNvSpPr>
+          <p:nvPr>
+            <p:ph idx="1"/>
+          </p:nvPr>
+        </p:nvSpPr>
+        <p:spPr/>
+        <p:txBody>
+          <a:bodyPr/>
+          <a:lstStyle/>
+          <a:p>
+            <a:pPr marL="0" indent="0">
+              <a:buNone/>
+            </a:pPr>
+            <a:r>
+              <a:rPr lang="fr-FR" dirty="0"/>
+              <a:t>Par </a:t>
+            </a:r>
+            <a:r>
+              <a:rPr lang="fr-FR" dirty="0" err="1"/>
+              <a:t>defaut</a:t>
+            </a:r>
+            <a:r>
+              <a:rPr lang="fr-FR" dirty="0"/>
+              <a:t> symfony </a:t>
+            </a:r>
+            <a:r>
+              <a:rPr lang="fr-FR" dirty="0" err="1"/>
+              <a:t>gener</a:t>
+            </a:r>
+            <a:r>
+              <a:rPr lang="fr-FR" dirty="0"/>
+              <a:t> plusieurs dossiers:</a:t>
+            </a:r>
+          </a:p>
+          <a:p>
+            <a:pPr marL="0" indent="0">
+              <a:buNone/>
+            </a:pPr>
+            <a:r>
+              <a:rPr lang="fr-FR" dirty="0"/>
+              <a:t>Les plus importants sont ,</a:t>
+            </a:r>
+          </a:p>
+          <a:p>
+            <a:pPr marL="0" indent="0">
+              <a:buNone/>
+            </a:pPr>
+            <a:r>
+              <a:rPr lang="fr-FR" b="1" dirty="0"/>
+              <a:t>Config</a:t>
+            </a:r>
+            <a:r>
+              <a:rPr lang="fr-FR" dirty="0"/>
+              <a:t> ,qui contient toutes les configurations du projet.</a:t>
+            </a:r>
+          </a:p>
+          <a:p>
+            <a:pPr marL="0" indent="0">
+              <a:buNone/>
+            </a:pPr>
+            <a:r>
+              <a:rPr lang="fr-FR" dirty="0"/>
+              <a:t>Public qui contient toutes les ressources </a:t>
+            </a:r>
+            <a:r>
+              <a:rPr lang="fr-FR" dirty="0" err="1"/>
+              <a:t>medias</a:t>
+            </a:r>
+            <a:r>
+              <a:rPr lang="fr-FR" dirty="0"/>
+              <a:t>.</a:t>
+            </a:r>
+          </a:p>
+          <a:p>
+            <a:pPr marL="0" indent="0">
+              <a:buNone/>
+            </a:pPr>
+            <a:r>
+              <a:rPr lang="fr-FR" dirty="0"/>
+              <a:t>Src qui contient les sources telles que les </a:t>
+            </a:r>
+            <a:r>
+              <a:rPr lang="fr-FR" dirty="0" err="1"/>
+              <a:t>controlleurs</a:t>
+            </a:r>
+            <a:r>
+              <a:rPr lang="fr-FR" dirty="0"/>
+              <a:t> ,les entités et bien d autres.</a:t>
+            </a:r>
+          </a:p>
+          <a:p>
+            <a:pPr marL="0" indent="0">
+              <a:buNone/>
+            </a:pPr>
+            <a:endParaRPr lang="fr-FR" dirty="0"/>
+          </a:p>
+          <a:p>
+            <a:pPr marL="0" indent="0">
+              <a:buNone/>
+            </a:pPr>
+            <a:endParaRPr lang="fr-FR" dirty="0"/>
+          </a:p>
+          <a:p>
+            <a:pPr marL="0" indent="0">
+              <a:buNone/>
+            </a:pPr>
+            <a:endParaRPr lang="fr-FR" dirty="0"/>
+          </a:p>
+        </p:txBody>
+      </p:sp>
+    </p:spTree>
+    <p:extLst>
+      <p:ext uri="{BB962C8B-B14F-4D97-AF65-F5344CB8AC3E}">
+        <p14:creationId xmlns:p14="http://schemas.microsoft.com/office/powerpoint/2010/main" val="1883943717"/>
       </p:ext>
     </p:extLst>
   </p:cSld>
